--- a/PPT/IT Telefaune.pptx
+++ b/PPT/IT Telefaune.pptx
@@ -5,7 +5,7 @@
     <p:sldMasterId id="2147483786" r:id="rId1"/>
   </p:sldMasterIdLst>
   <p:notesMasterIdLst>
-    <p:notesMasterId r:id="rId20"/>
+    <p:notesMasterId r:id="rId21"/>
   </p:notesMasterIdLst>
   <p:sldIdLst>
     <p:sldId id="256" r:id="rId2"/>
@@ -23,9 +23,10 @@
     <p:sldId id="269" r:id="rId14"/>
     <p:sldId id="271" r:id="rId15"/>
     <p:sldId id="272" r:id="rId16"/>
-    <p:sldId id="273" r:id="rId17"/>
-    <p:sldId id="274" r:id="rId18"/>
-    <p:sldId id="275" r:id="rId19"/>
+    <p:sldId id="276" r:id="rId17"/>
+    <p:sldId id="273" r:id="rId18"/>
+    <p:sldId id="274" r:id="rId19"/>
+    <p:sldId id="275" r:id="rId20"/>
   </p:sldIdLst>
   <p:sldSz cx="12192000" cy="6858000"/>
   <p:notesSz cx="6858000" cy="9144000"/>
@@ -5632,7 +5633,7 @@
           <a:p>
             <a:r>
               <a:rPr lang="fr-FR" dirty="0"/>
-              <a:t>1\ ASP .NET 5.0 et MySql</a:t>
+              <a:t>1\ ASP .NET 5.0 et MVC</a:t>
             </a:r>
           </a:p>
         </p:txBody>
@@ -5692,15 +5693,39 @@
             <a:pPr marL="0" indent="0">
               <a:buNone/>
             </a:pPr>
-            <a:endParaRPr lang="fr-FR" sz="1600" dirty="0"/>
-          </a:p>
-          <a:p>
-            <a:pPr marL="0" indent="0">
-              <a:buNone/>
+            <a:r>
+              <a:rPr lang="fr-FR" sz="1600" dirty="0"/>
+              <a:t>Le MVC de mon projet se décompose donc en trois parties :</a:t>
+            </a:r>
+          </a:p>
+          <a:p>
+            <a:pPr>
+              <a:buFontTx/>
+              <a:buChar char="-"/>
             </a:pPr>
             <a:r>
               <a:rPr lang="fr-FR" sz="1600" dirty="0"/>
-              <a:t>Concernant les données présentes sur ma base de données, j’ai décidé d’utiliser MySQL afin de les stocker. Puis, pour avoir un visuel plus épuré de mes données, j’ai aussi utilisé Microsoft SQL Server Management Studio.</a:t>
+              <a:t>Les Modèles : dans mon projet, ils correspondent aux modèles de données pour Entity Framework que nous verrons plus tard</a:t>
+            </a:r>
+          </a:p>
+          <a:p>
+            <a:pPr>
+              <a:buFontTx/>
+              <a:buChar char="-"/>
+            </a:pPr>
+            <a:r>
+              <a:rPr lang="fr-FR" sz="1600" dirty="0"/>
+              <a:t>Les Vues : dans mon projet, ils correspondent aux vues Razor, ce sont des pages HTML contenant du code en C#</a:t>
+            </a:r>
+          </a:p>
+          <a:p>
+            <a:pPr>
+              <a:buFontTx/>
+              <a:buChar char="-"/>
+            </a:pPr>
+            <a:r>
+              <a:rPr lang="fr-FR" sz="1600" dirty="0"/>
+              <a:t>Les Contrôleurs : Qui acheminent les commandes entre mes vues et mes modèles.</a:t>
             </a:r>
           </a:p>
         </p:txBody>
@@ -5734,55 +5759,8 @@
         </p:blipFill>
         <p:spPr bwMode="auto">
           <a:xfrm>
-            <a:off x="7710837" y="4149133"/>
+            <a:off x="4712494" y="4502751"/>
             <a:ext cx="2767012" cy="1950635"/>
-          </a:xfrm>
-          <a:prstGeom prst="rect">
-            <a:avLst/>
-          </a:prstGeom>
-          <a:noFill/>
-          <a:extLst>
-            <a:ext uri="{909E8E84-426E-40DD-AFC4-6F175D3DCCD1}">
-              <a14:hiddenFill xmlns:a14="http://schemas.microsoft.com/office/drawing/2010/main">
-                <a:solidFill>
-                  <a:srgbClr val="FFFFFF"/>
-                </a:solidFill>
-              </a14:hiddenFill>
-            </a:ext>
-          </a:extLst>
-        </p:spPr>
-      </p:pic>
-      <p:pic>
-        <p:nvPicPr>
-          <p:cNvPr id="3082" name="Picture 10" descr="Présentation du logiciel de base de données Microsoft SQL Server -  Développement web et mobile">
-            <a:extLst>
-              <a:ext uri="{FF2B5EF4-FFF2-40B4-BE49-F238E27FC236}">
-                <a16:creationId xmlns:a16="http://schemas.microsoft.com/office/drawing/2014/main" id="{7334FF9F-9228-4550-8FCA-792833EC5570}"/>
-              </a:ext>
-            </a:extLst>
-          </p:cNvPr>
-          <p:cNvPicPr>
-            <a:picLocks noChangeAspect="1" noChangeArrowheads="1"/>
-          </p:cNvPicPr>
-          <p:nvPr/>
-        </p:nvPicPr>
-        <p:blipFill>
-          <a:blip r:embed="rId3">
-            <a:extLst>
-              <a:ext uri="{28A0092B-C50C-407E-A947-70E740481C1C}">
-                <a14:useLocalDpi xmlns:a14="http://schemas.microsoft.com/office/drawing/2010/main" val="0"/>
-              </a:ext>
-            </a:extLst>
-          </a:blip>
-          <a:srcRect/>
-          <a:stretch>
-            <a:fillRect/>
-          </a:stretch>
-        </p:blipFill>
-        <p:spPr bwMode="auto">
-          <a:xfrm>
-            <a:off x="2718708" y="4038600"/>
-            <a:ext cx="2675845" cy="2171700"/>
           </a:xfrm>
           <a:prstGeom prst="rect">
             <a:avLst/>
@@ -5942,6 +5920,33 @@
               <a:t>En effet cela permet la création de vues avec une extension .cshtml.</a:t>
             </a:r>
           </a:p>
+          <a:p>
+            <a:pPr marL="0" indent="0">
+              <a:buNone/>
+            </a:pPr>
+            <a:r>
+              <a:rPr lang="fr-FR" sz="1600" dirty="0"/>
+              <a:t>De plus, dans mon projet cela m’a permis d’entrer des conditions qui m’on </a:t>
+            </a:r>
+          </a:p>
+          <a:p>
+            <a:pPr marL="0" indent="0">
+              <a:buNone/>
+            </a:pPr>
+            <a:r>
+              <a:rPr lang="fr-FR" sz="1600" dirty="0"/>
+              <a:t>permis de réaliser la partie Admin en affichant du HTML en fonction de l’état</a:t>
+            </a:r>
+          </a:p>
+          <a:p>
+            <a:pPr marL="0" indent="0">
+              <a:buNone/>
+            </a:pPr>
+            <a:r>
+              <a:rPr lang="fr-FR" sz="1600" dirty="0"/>
+              <a:t>d’une session par exemple.</a:t>
+            </a:r>
+          </a:p>
         </p:txBody>
       </p:sp>
       <p:pic>
@@ -6206,6 +6211,14 @@
 <file path=ppt/slides/slide16.xml><?xml version="1.0" encoding="utf-8"?>
 <p:sld xmlns:a="http://schemas.openxmlformats.org/drawingml/2006/main" xmlns:r="http://schemas.openxmlformats.org/officeDocument/2006/relationships" xmlns:p="http://schemas.openxmlformats.org/presentationml/2006/main">
   <p:cSld>
+    <p:bg>
+      <p:bgPr>
+        <a:solidFill>
+          <a:schemeClr val="bg2"/>
+        </a:solidFill>
+        <a:effectLst/>
+      </p:bgPr>
+    </p:bg>
     <p:spTree>
       <p:nvGrpSpPr>
         <p:cNvPr id="1" name=""/>
@@ -6220,12 +6233,424 @@
           <a:chExt cx="0" cy="0"/>
         </a:xfrm>
       </p:grpSpPr>
+      <p:grpSp>
+        <p:nvGrpSpPr>
+          <p:cNvPr id="8" name="Group 7">
+            <a:extLst>
+              <a:ext uri="{FF2B5EF4-FFF2-40B4-BE49-F238E27FC236}">
+                <a16:creationId xmlns:a16="http://schemas.microsoft.com/office/drawing/2014/main" id="{8C89EA62-F38E-4285-A105-C5E1BD360093}"/>
+              </a:ext>
+              <a:ext uri="{C183D7F6-B498-43B3-948B-1728B52AA6E4}">
+                <adec:decorative xmlns:adec="http://schemas.microsoft.com/office/drawing/2017/decorative" val="1"/>
+              </a:ext>
+            </a:extLst>
+          </p:cNvPr>
+          <p:cNvGrpSpPr>
+            <a:grpSpLocks noGrp="1" noUngrp="1" noRot="1" noChangeAspect="1" noMove="1" noResize="1"/>
+          </p:cNvGrpSpPr>
+          <p:nvPr>
+            <p:extLst>
+              <p:ext uri="{386F3935-93C4-4BCD-93E2-E3B085C9AB24}">
+                <p16:designElem xmlns:p16="http://schemas.microsoft.com/office/powerpoint/2015/main" val="1"/>
+              </p:ext>
+            </p:extLst>
+          </p:nvPr>
+        </p:nvGrpSpPr>
+        <p:grpSpPr>
+          <a:xfrm>
+            <a:off x="752858" y="744469"/>
+            <a:ext cx="10674117" cy="5349671"/>
+            <a:chOff x="752858" y="744469"/>
+            <a:chExt cx="10674117" cy="5349671"/>
+          </a:xfrm>
+        </p:grpSpPr>
+        <p:sp>
+          <p:nvSpPr>
+            <p:cNvPr id="9" name="Freeform 6">
+              <a:extLst>
+                <a:ext uri="{FF2B5EF4-FFF2-40B4-BE49-F238E27FC236}">
+                  <a16:creationId xmlns:a16="http://schemas.microsoft.com/office/drawing/2014/main" id="{2CF6E46A-CCCD-4728-B011-E147B23629A3}"/>
+                </a:ext>
+                <a:ext uri="{C183D7F6-B498-43B3-948B-1728B52AA6E4}">
+                  <adec:decorative xmlns:adec="http://schemas.microsoft.com/office/drawing/2017/decorative" val="1"/>
+                </a:ext>
+              </a:extLst>
+            </p:cNvPr>
+            <p:cNvSpPr/>
+            <p:nvPr>
+              <p:extLst>
+                <p:ext uri="{386F3935-93C4-4BCD-93E2-E3B085C9AB24}">
+                  <p16:designElem xmlns:p16="http://schemas.microsoft.com/office/powerpoint/2015/main" val="1"/>
+                </p:ext>
+              </p:extLst>
+            </p:nvPr>
+          </p:nvSpPr>
+          <p:spPr bwMode="auto">
+            <a:xfrm>
+              <a:off x="8151962" y="1685652"/>
+              <a:ext cx="3275013" cy="4408488"/>
+            </a:xfrm>
+            <a:custGeom>
+              <a:avLst/>
+              <a:gdLst/>
+              <a:ahLst/>
+              <a:cxnLst/>
+              <a:rect l="l" t="t" r="r" b="b"/>
+              <a:pathLst>
+                <a:path w="10000" h="10000">
+                  <a:moveTo>
+                    <a:pt x="8761" y="0"/>
+                  </a:moveTo>
+                  <a:lnTo>
+                    <a:pt x="10000" y="0"/>
+                  </a:lnTo>
+                  <a:lnTo>
+                    <a:pt x="10000" y="10000"/>
+                  </a:lnTo>
+                  <a:lnTo>
+                    <a:pt x="0" y="10000"/>
+                  </a:lnTo>
+                  <a:lnTo>
+                    <a:pt x="0" y="9126"/>
+                  </a:lnTo>
+                  <a:lnTo>
+                    <a:pt x="8761" y="9127"/>
+                  </a:lnTo>
+                  <a:lnTo>
+                    <a:pt x="8761" y="0"/>
+                  </a:lnTo>
+                  <a:close/>
+                </a:path>
+              </a:pathLst>
+            </a:custGeom>
+            <a:solidFill>
+              <a:schemeClr val="tx2"/>
+            </a:solidFill>
+            <a:ln w="0">
+              <a:noFill/>
+              <a:prstDash val="solid"/>
+              <a:round/>
+              <a:headEnd/>
+              <a:tailEnd/>
+            </a:ln>
+          </p:spPr>
+        </p:sp>
+        <p:sp>
+          <p:nvSpPr>
+            <p:cNvPr id="10" name="Freeform 6">
+              <a:extLst>
+                <a:ext uri="{FF2B5EF4-FFF2-40B4-BE49-F238E27FC236}">
+                  <a16:creationId xmlns:a16="http://schemas.microsoft.com/office/drawing/2014/main" id="{2E2C684B-30C9-4689-A529-EBF1B8ADB215}"/>
+                </a:ext>
+                <a:ext uri="{C183D7F6-B498-43B3-948B-1728B52AA6E4}">
+                  <adec:decorative xmlns:adec="http://schemas.microsoft.com/office/drawing/2017/decorative" val="1"/>
+                </a:ext>
+              </a:extLst>
+            </p:cNvPr>
+            <p:cNvSpPr/>
+            <p:nvPr>
+              <p:extLst>
+                <p:ext uri="{386F3935-93C4-4BCD-93E2-E3B085C9AB24}">
+                  <p16:designElem xmlns:p16="http://schemas.microsoft.com/office/powerpoint/2015/main" val="1"/>
+                </p:ext>
+              </p:extLst>
+            </p:nvPr>
+          </p:nvSpPr>
+          <p:spPr bwMode="auto">
+            <a:xfrm flipH="1" flipV="1">
+              <a:off x="752858" y="744469"/>
+              <a:ext cx="3275668" cy="4408488"/>
+            </a:xfrm>
+            <a:custGeom>
+              <a:avLst/>
+              <a:gdLst/>
+              <a:ahLst/>
+              <a:cxnLst/>
+              <a:rect l="l" t="t" r="r" b="b"/>
+              <a:pathLst>
+                <a:path w="10002" h="10000">
+                  <a:moveTo>
+                    <a:pt x="8763" y="0"/>
+                  </a:moveTo>
+                  <a:lnTo>
+                    <a:pt x="10002" y="0"/>
+                  </a:lnTo>
+                  <a:lnTo>
+                    <a:pt x="10002" y="10000"/>
+                  </a:lnTo>
+                  <a:lnTo>
+                    <a:pt x="2" y="10000"/>
+                  </a:lnTo>
+                  <a:cubicBezTo>
+                    <a:pt x="-2" y="9698"/>
+                    <a:pt x="4" y="9427"/>
+                    <a:pt x="0" y="9125"/>
+                  </a:cubicBezTo>
+                  <a:lnTo>
+                    <a:pt x="8763" y="9128"/>
+                  </a:lnTo>
+                  <a:lnTo>
+                    <a:pt x="8763" y="0"/>
+                  </a:lnTo>
+                  <a:close/>
+                </a:path>
+              </a:pathLst>
+            </a:custGeom>
+            <a:solidFill>
+              <a:schemeClr val="tx2"/>
+            </a:solidFill>
+            <a:ln w="0">
+              <a:noFill/>
+              <a:prstDash val="solid"/>
+              <a:round/>
+              <a:headEnd/>
+              <a:tailEnd/>
+            </a:ln>
+          </p:spPr>
+        </p:sp>
+      </p:grpSp>
+      <p:sp useBgFill="1">
+        <p:nvSpPr>
+          <p:cNvPr id="12" name="Rectangle 11">
+            <a:extLst>
+              <a:ext uri="{FF2B5EF4-FFF2-40B4-BE49-F238E27FC236}">
+                <a16:creationId xmlns:a16="http://schemas.microsoft.com/office/drawing/2014/main" id="{5ABA7F3F-D56F-4C06-84AC-03FC83B0642E}"/>
+              </a:ext>
+              <a:ext uri="{C183D7F6-B498-43B3-948B-1728B52AA6E4}">
+                <adec:decorative xmlns:adec="http://schemas.microsoft.com/office/drawing/2017/decorative" val="1"/>
+              </a:ext>
+            </a:extLst>
+          </p:cNvPr>
+          <p:cNvSpPr>
+            <a:spLocks noGrp="1" noRot="1" noChangeAspect="1" noMove="1" noResize="1" noEditPoints="1" noAdjustHandles="1" noChangeArrowheads="1" noChangeShapeType="1" noTextEdit="1"/>
+          </p:cNvSpPr>
+          <p:nvPr>
+            <p:extLst>
+              <p:ext uri="{386F3935-93C4-4BCD-93E2-E3B085C9AB24}">
+                <p16:designElem xmlns:p16="http://schemas.microsoft.com/office/powerpoint/2015/main" val="1"/>
+              </p:ext>
+            </p:extLst>
+          </p:nvPr>
+        </p:nvSpPr>
+        <p:spPr bwMode="grayWhite">
+          <a:xfrm>
+            <a:off x="0" y="0"/>
+            <a:ext cx="12192000" cy="6858000"/>
+          </a:xfrm>
+          <a:prstGeom prst="rect">
+            <a:avLst/>
+          </a:prstGeom>
+          <a:ln>
+            <a:noFill/>
+          </a:ln>
+        </p:spPr>
+        <p:style>
+          <a:lnRef idx="2">
+            <a:schemeClr val="accent1">
+              <a:shade val="50000"/>
+            </a:schemeClr>
+          </a:lnRef>
+          <a:fillRef idx="1">
+            <a:schemeClr val="accent1"/>
+          </a:fillRef>
+          <a:effectRef idx="0">
+            <a:schemeClr val="accent1"/>
+          </a:effectRef>
+          <a:fontRef idx="minor">
+            <a:schemeClr val="lt1"/>
+          </a:fontRef>
+        </p:style>
+        <p:txBody>
+          <a:bodyPr rtlCol="0" anchor="ctr"/>
+          <a:lstStyle/>
+          <a:p>
+            <a:pPr algn="ctr"/>
+            <a:endParaRPr lang="en-US"/>
+          </a:p>
+        </p:txBody>
+      </p:sp>
+      <p:grpSp>
+        <p:nvGrpSpPr>
+          <p:cNvPr id="14" name="Group 13">
+            <a:extLst>
+              <a:ext uri="{FF2B5EF4-FFF2-40B4-BE49-F238E27FC236}">
+                <a16:creationId xmlns:a16="http://schemas.microsoft.com/office/drawing/2014/main" id="{715374B5-D7C8-4AA9-BE65-DB7A0CA9B420}"/>
+              </a:ext>
+              <a:ext uri="{C183D7F6-B498-43B3-948B-1728B52AA6E4}">
+                <adec:decorative xmlns:adec="http://schemas.microsoft.com/office/drawing/2017/decorative" val="1"/>
+              </a:ext>
+            </a:extLst>
+          </p:cNvPr>
+          <p:cNvGrpSpPr>
+            <a:grpSpLocks noGrp="1" noUngrp="1" noRot="1" noChangeAspect="1" noMove="1" noResize="1"/>
+          </p:cNvGrpSpPr>
+          <p:nvPr>
+            <p:extLst>
+              <p:ext uri="{386F3935-93C4-4BCD-93E2-E3B085C9AB24}">
+                <p16:designElem xmlns:p16="http://schemas.microsoft.com/office/powerpoint/2015/main" val="1"/>
+              </p:ext>
+            </p:extLst>
+          </p:nvPr>
+        </p:nvGrpSpPr>
+        <p:grpSpPr>
+          <a:xfrm>
+            <a:off x="752858" y="744469"/>
+            <a:ext cx="10674117" cy="5349671"/>
+            <a:chOff x="752858" y="744469"/>
+            <a:chExt cx="10674117" cy="5349671"/>
+          </a:xfrm>
+        </p:grpSpPr>
+        <p:sp>
+          <p:nvSpPr>
+            <p:cNvPr id="15" name="Freeform 6">
+              <a:extLst>
+                <a:ext uri="{FF2B5EF4-FFF2-40B4-BE49-F238E27FC236}">
+                  <a16:creationId xmlns:a16="http://schemas.microsoft.com/office/drawing/2014/main" id="{C73A7452-ED0F-4903-A620-8D103E556CA4}"/>
+                </a:ext>
+                <a:ext uri="{C183D7F6-B498-43B3-948B-1728B52AA6E4}">
+                  <adec:decorative xmlns:adec="http://schemas.microsoft.com/office/drawing/2017/decorative" val="1"/>
+                </a:ext>
+              </a:extLst>
+            </p:cNvPr>
+            <p:cNvSpPr/>
+            <p:nvPr>
+              <p:extLst>
+                <p:ext uri="{386F3935-93C4-4BCD-93E2-E3B085C9AB24}">
+                  <p16:designElem xmlns:p16="http://schemas.microsoft.com/office/powerpoint/2015/main" val="1"/>
+                </p:ext>
+              </p:extLst>
+            </p:nvPr>
+          </p:nvSpPr>
+          <p:spPr bwMode="auto">
+            <a:xfrm>
+              <a:off x="8151962" y="1685652"/>
+              <a:ext cx="3275013" cy="4408488"/>
+            </a:xfrm>
+            <a:custGeom>
+              <a:avLst/>
+              <a:gdLst/>
+              <a:ahLst/>
+              <a:cxnLst/>
+              <a:rect l="l" t="t" r="r" b="b"/>
+              <a:pathLst>
+                <a:path w="10000" h="10000">
+                  <a:moveTo>
+                    <a:pt x="8761" y="0"/>
+                  </a:moveTo>
+                  <a:lnTo>
+                    <a:pt x="10000" y="0"/>
+                  </a:lnTo>
+                  <a:lnTo>
+                    <a:pt x="10000" y="10000"/>
+                  </a:lnTo>
+                  <a:lnTo>
+                    <a:pt x="0" y="10000"/>
+                  </a:lnTo>
+                  <a:lnTo>
+                    <a:pt x="0" y="9126"/>
+                  </a:lnTo>
+                  <a:lnTo>
+                    <a:pt x="8761" y="9127"/>
+                  </a:lnTo>
+                  <a:lnTo>
+                    <a:pt x="8761" y="0"/>
+                  </a:lnTo>
+                  <a:close/>
+                </a:path>
+              </a:pathLst>
+            </a:custGeom>
+            <a:solidFill>
+              <a:schemeClr val="accent1"/>
+            </a:solidFill>
+            <a:ln w="0">
+              <a:noFill/>
+              <a:prstDash val="solid"/>
+              <a:round/>
+              <a:headEnd/>
+              <a:tailEnd/>
+            </a:ln>
+          </p:spPr>
+        </p:sp>
+        <p:sp>
+          <p:nvSpPr>
+            <p:cNvPr id="16" name="Freeform 6">
+              <a:extLst>
+                <a:ext uri="{FF2B5EF4-FFF2-40B4-BE49-F238E27FC236}">
+                  <a16:creationId xmlns:a16="http://schemas.microsoft.com/office/drawing/2014/main" id="{F6A3F6CE-D581-4C37-8822-4F4A68325EF0}"/>
+                </a:ext>
+                <a:ext uri="{C183D7F6-B498-43B3-948B-1728B52AA6E4}">
+                  <adec:decorative xmlns:adec="http://schemas.microsoft.com/office/drawing/2017/decorative" val="1"/>
+                </a:ext>
+              </a:extLst>
+            </p:cNvPr>
+            <p:cNvSpPr/>
+            <p:nvPr>
+              <p:extLst>
+                <p:ext uri="{386F3935-93C4-4BCD-93E2-E3B085C9AB24}">
+                  <p16:designElem xmlns:p16="http://schemas.microsoft.com/office/powerpoint/2015/main" val="1"/>
+                </p:ext>
+              </p:extLst>
+            </p:nvPr>
+          </p:nvSpPr>
+          <p:spPr bwMode="auto">
+            <a:xfrm flipH="1" flipV="1">
+              <a:off x="752858" y="744469"/>
+              <a:ext cx="3275668" cy="4408488"/>
+            </a:xfrm>
+            <a:custGeom>
+              <a:avLst/>
+              <a:gdLst/>
+              <a:ahLst/>
+              <a:cxnLst/>
+              <a:rect l="l" t="t" r="r" b="b"/>
+              <a:pathLst>
+                <a:path w="10002" h="10000">
+                  <a:moveTo>
+                    <a:pt x="8763" y="0"/>
+                  </a:moveTo>
+                  <a:lnTo>
+                    <a:pt x="10002" y="0"/>
+                  </a:lnTo>
+                  <a:lnTo>
+                    <a:pt x="10002" y="10000"/>
+                  </a:lnTo>
+                  <a:lnTo>
+                    <a:pt x="2" y="10000"/>
+                  </a:lnTo>
+                  <a:cubicBezTo>
+                    <a:pt x="-2" y="9698"/>
+                    <a:pt x="4" y="9427"/>
+                    <a:pt x="0" y="9125"/>
+                  </a:cubicBezTo>
+                  <a:lnTo>
+                    <a:pt x="8763" y="9128"/>
+                  </a:lnTo>
+                  <a:lnTo>
+                    <a:pt x="8763" y="0"/>
+                  </a:lnTo>
+                  <a:close/>
+                </a:path>
+              </a:pathLst>
+            </a:custGeom>
+            <a:solidFill>
+              <a:schemeClr val="accent2"/>
+            </a:solidFill>
+            <a:ln w="0">
+              <a:noFill/>
+              <a:prstDash val="solid"/>
+              <a:round/>
+              <a:headEnd/>
+              <a:tailEnd/>
+            </a:ln>
+          </p:spPr>
+        </p:sp>
+      </p:grpSp>
       <p:sp>
         <p:nvSpPr>
           <p:cNvPr id="2" name="Titre 1">
             <a:extLst>
               <a:ext uri="{FF2B5EF4-FFF2-40B4-BE49-F238E27FC236}">
-                <a16:creationId xmlns:a16="http://schemas.microsoft.com/office/drawing/2014/main" id="{E35F42B4-18B3-414B-A2EF-D8A4EA398E7B}"/>
+                <a16:creationId xmlns:a16="http://schemas.microsoft.com/office/drawing/2014/main" id="{A2B38A6B-466D-4B39-86CE-33FBC52B76B3}"/>
               </a:ext>
             </a:extLst>
           </p:cNvPr>
@@ -6238,139 +6663,186 @@
         </p:nvSpPr>
         <p:spPr>
           <a:xfrm>
-            <a:off x="876649" y="247650"/>
-            <a:ext cx="9601200" cy="1485900"/>
-          </a:xfrm>
-        </p:spPr>
-        <p:txBody>
-          <a:bodyPr/>
-          <a:lstStyle/>
-          <a:p>
-            <a:r>
-              <a:rPr lang="fr-FR" dirty="0"/>
-              <a:t>IV\ Problème rencontrés</a:t>
-            </a:r>
-          </a:p>
-        </p:txBody>
-      </p:sp>
-      <p:sp>
-        <p:nvSpPr>
-          <p:cNvPr id="3" name="Espace réservé du contenu 2">
-            <a:extLst>
-              <a:ext uri="{FF2B5EF4-FFF2-40B4-BE49-F238E27FC236}">
-                <a16:creationId xmlns:a16="http://schemas.microsoft.com/office/drawing/2014/main" id="{75FD2F54-0682-466C-B358-8FDF4F36CD66}"/>
-              </a:ext>
-            </a:extLst>
-          </p:cNvPr>
-          <p:cNvSpPr>
-            <a:spLocks noGrp="1"/>
-          </p:cNvSpPr>
-          <p:nvPr>
-            <p:ph idx="1"/>
-          </p:nvPr>
-        </p:nvSpPr>
-        <p:spPr>
-          <a:xfrm>
-            <a:off x="876649" y="1203821"/>
-            <a:ext cx="10438702" cy="3581400"/>
-          </a:xfrm>
-        </p:spPr>
-        <p:txBody>
-          <a:bodyPr>
+            <a:off x="1909630" y="2185241"/>
+            <a:ext cx="8361229" cy="2098226"/>
+          </a:xfrm>
+        </p:spPr>
+        <p:txBody>
+          <a:bodyPr vert="horz" lIns="91440" tIns="45720" rIns="91440" bIns="45720" rtlCol="0" anchor="b">
             <a:normAutofit/>
           </a:bodyPr>
           <a:lstStyle/>
           <a:p>
-            <a:pPr>
-              <a:buFontTx/>
-              <a:buChar char="-"/>
-            </a:pPr>
-            <a:r>
-              <a:rPr lang="fr-FR" sz="1600" dirty="0"/>
-              <a:t>Problème de barre de recherche</a:t>
-            </a:r>
-          </a:p>
-          <a:p>
-            <a:pPr>
-              <a:buFontTx/>
-              <a:buChar char="-"/>
-            </a:pPr>
-            <a:r>
-              <a:rPr lang="fr-FR" sz="1600" dirty="0"/>
-              <a:t>Problème de sauvegarde des tables liés</a:t>
-            </a:r>
-          </a:p>
-        </p:txBody>
-      </p:sp>
-      <p:pic>
-        <p:nvPicPr>
-          <p:cNvPr id="5" name="Image 4">
+            <a:pPr algn="ctr"/>
+            <a:r>
+              <a:rPr lang="en-US" sz="5000" cap="all" dirty="0"/>
+              <a:t>IV\ Demonstration du projet</a:t>
+            </a:r>
+          </a:p>
+        </p:txBody>
+      </p:sp>
+      <p:sp>
+        <p:nvSpPr>
+          <p:cNvPr id="3" name="Espace réservé du numéro de diapositive 2">
             <a:extLst>
               <a:ext uri="{FF2B5EF4-FFF2-40B4-BE49-F238E27FC236}">
-                <a16:creationId xmlns:a16="http://schemas.microsoft.com/office/drawing/2014/main" id="{77D006FA-CD78-4563-BB63-E83130749BE9}"/>
+                <a16:creationId xmlns:a16="http://schemas.microsoft.com/office/drawing/2014/main" id="{F7E1D1CF-7FBD-41FB-BE46-8AF9F839B8A6}"/>
               </a:ext>
             </a:extLst>
           </p:cNvPr>
-          <p:cNvPicPr>
-            <a:picLocks noChangeAspect="1"/>
-          </p:cNvPicPr>
-          <p:nvPr/>
-        </p:nvPicPr>
-        <p:blipFill>
-          <a:blip r:embed="rId2"/>
-          <a:stretch>
-            <a:fillRect/>
-          </a:stretch>
-        </p:blipFill>
+          <p:cNvSpPr>
+            <a:spLocks noGrp="1"/>
+          </p:cNvSpPr>
+          <p:nvPr>
+            <p:ph type="sldNum" sz="quarter" idx="12"/>
+          </p:nvPr>
+        </p:nvSpPr>
         <p:spPr>
           <a:xfrm>
-            <a:off x="1740693" y="2626716"/>
-            <a:ext cx="8710613" cy="2158505"/>
-          </a:xfrm>
-          <a:prstGeom prst="rect">
-            <a:avLst/>
-          </a:prstGeom>
-        </p:spPr>
-      </p:pic>
-      <p:sp>
-        <p:nvSpPr>
-          <p:cNvPr id="7" name="Espace réservé du numéro de diapositive 6">
-            <a:extLst>
-              <a:ext uri="{FF2B5EF4-FFF2-40B4-BE49-F238E27FC236}">
-                <a16:creationId xmlns:a16="http://schemas.microsoft.com/office/drawing/2014/main" id="{2BD3B50A-854B-4706-8DCB-4B9666AE936C}"/>
-              </a:ext>
-            </a:extLst>
-          </p:cNvPr>
-          <p:cNvSpPr>
-            <a:spLocks noGrp="1"/>
-          </p:cNvSpPr>
-          <p:nvPr>
-            <p:ph type="sldNum" sz="quarter" idx="12"/>
-          </p:nvPr>
-        </p:nvSpPr>
-        <p:spPr/>
-        <p:txBody>
-          <a:bodyPr/>
+            <a:off x="9830683" y="6453386"/>
+            <a:ext cx="1596292" cy="404614"/>
+          </a:xfrm>
+        </p:spPr>
+        <p:txBody>
+          <a:bodyPr vert="horz" lIns="91440" tIns="45720" rIns="91440" bIns="45720" rtlCol="0" anchor="ctr">
+            <a:normAutofit/>
+          </a:bodyPr>
           <a:lstStyle/>
           <a:p>
+            <a:pPr>
+              <a:spcAft>
+                <a:spcPts val="600"/>
+              </a:spcAft>
+            </a:pPr>
             <a:fld id="{064621D8-3403-462A-90B6-EC5605D6708B}" type="slidenum">
-              <a:rPr lang="fr-FR" smtClean="0"/>
+              <a:rPr lang="en-US" kern="1200" baseline="0" dirty="0">
+                <a:solidFill>
+                  <a:schemeClr val="tx2"/>
+                </a:solidFill>
+                <a:latin typeface="+mn-lt"/>
+                <a:ea typeface="+mn-ea"/>
+                <a:cs typeface="+mn-cs"/>
+              </a:rPr>
+              <a:pPr>
+                <a:spcAft>
+                  <a:spcPts val="600"/>
+                </a:spcAft>
+              </a:pPr>
               <a:t>16</a:t>
             </a:fld>
-            <a:endParaRPr lang="fr-FR"/>
+            <a:endParaRPr lang="en-US" kern="1200" baseline="0" dirty="0">
+              <a:solidFill>
+                <a:schemeClr val="tx2"/>
+              </a:solidFill>
+              <a:latin typeface="+mn-lt"/>
+              <a:ea typeface="+mn-ea"/>
+              <a:cs typeface="+mn-cs"/>
+            </a:endParaRPr>
           </a:p>
         </p:txBody>
       </p:sp>
     </p:spTree>
     <p:extLst>
       <p:ext uri="{BB962C8B-B14F-4D97-AF65-F5344CB8AC3E}">
-        <p14:creationId xmlns:p14="http://schemas.microsoft.com/office/powerpoint/2010/main" val="3574612400"/>
+        <p14:creationId xmlns:p14="http://schemas.microsoft.com/office/powerpoint/2010/main" val="2102542212"/>
       </p:ext>
     </p:extLst>
   </p:cSld>
   <p:clrMapOvr>
-    <a:masterClrMapping/>
+    <a:overrideClrMapping bg1="dk1" tx1="lt1" bg2="dk2" tx2="lt2" accent1="accent1" accent2="accent2" accent3="accent3" accent4="accent4" accent5="accent5" accent6="accent6" hlink="hlink" folHlink="folHlink"/>
   </p:clrMapOvr>
+  <p:timing>
+    <p:tnLst>
+      <p:par>
+        <p:cTn id="1" dur="indefinite" restart="never" nodeType="tmRoot">
+          <p:childTnLst>
+            <p:seq concurrent="1" nextAc="seek">
+              <p:cTn id="2" dur="indefinite" nodeType="mainSeq">
+                <p:childTnLst>
+                  <p:par>
+                    <p:cTn id="3" fill="hold">
+                      <p:stCondLst>
+                        <p:cond delay="indefinite"/>
+                        <p:cond evt="onBegin" delay="0">
+                          <p:tn val="2"/>
+                        </p:cond>
+                      </p:stCondLst>
+                      <p:childTnLst>
+                        <p:par>
+                          <p:cTn id="4" fill="hold">
+                            <p:stCondLst>
+                              <p:cond delay="0"/>
+                            </p:stCondLst>
+                            <p:childTnLst>
+                              <p:par>
+                                <p:cTn id="5" presetID="10" presetClass="entr" presetSubtype="0" fill="hold" grpId="0" nodeType="withEffect">
+                                  <p:stCondLst>
+                                    <p:cond delay="500"/>
+                                  </p:stCondLst>
+                                  <p:iterate type="wd">
+                                    <p:tmPct val="15000"/>
+                                  </p:iterate>
+                                  <p:childTnLst>
+                                    <p:set>
+                                      <p:cBhvr>
+                                        <p:cTn id="6" dur="1" fill="hold">
+                                          <p:stCondLst>
+                                            <p:cond delay="0"/>
+                                          </p:stCondLst>
+                                        </p:cTn>
+                                        <p:tgtEl>
+                                          <p:spTgt spid="2"/>
+                                        </p:tgtEl>
+                                        <p:attrNameLst>
+                                          <p:attrName>style.visibility</p:attrName>
+                                        </p:attrNameLst>
+                                      </p:cBhvr>
+                                      <p:to>
+                                        <p:strVal val="visible"/>
+                                      </p:to>
+                                    </p:set>
+                                    <p:animEffect transition="in" filter="fade">
+                                      <p:cBhvr>
+                                        <p:cTn id="7" dur="1000"/>
+                                        <p:tgtEl>
+                                          <p:spTgt spid="2"/>
+                                        </p:tgtEl>
+                                      </p:cBhvr>
+                                    </p:animEffect>
+                                  </p:childTnLst>
+                                </p:cTn>
+                              </p:par>
+                            </p:childTnLst>
+                          </p:cTn>
+                        </p:par>
+                      </p:childTnLst>
+                    </p:cTn>
+                  </p:par>
+                </p:childTnLst>
+              </p:cTn>
+              <p:prevCondLst>
+                <p:cond evt="onPrev" delay="0">
+                  <p:tgtEl>
+                    <p:sldTgt/>
+                  </p:tgtEl>
+                </p:cond>
+              </p:prevCondLst>
+              <p:nextCondLst>
+                <p:cond evt="onNext" delay="0">
+                  <p:tgtEl>
+                    <p:sldTgt/>
+                  </p:tgtEl>
+                </p:cond>
+              </p:nextCondLst>
+            </p:seq>
+          </p:childTnLst>
+        </p:cTn>
+      </p:par>
+    </p:tnLst>
+    <p:bldLst>
+      <p:bldP spid="2" grpId="0"/>
+    </p:bldLst>
+  </p:timing>
 </p:sld>
 </file>
 
@@ -6419,7 +6891,7 @@
           <a:p>
             <a:r>
               <a:rPr lang="fr-FR" dirty="0"/>
-              <a:t>V\ Amélioration </a:t>
+              <a:t>V\ Problème rencontrés</a:t>
             </a:r>
           </a:p>
         </p:txBody>
@@ -6458,7 +6930,7 @@
             </a:pPr>
             <a:r>
               <a:rPr lang="fr-FR" sz="1600" dirty="0"/>
-              <a:t>Gérer la suppression des tables liés des utilisateurs</a:t>
+              <a:t>Problème de barre de recherche</a:t>
             </a:r>
           </a:p>
           <a:p>
@@ -6468,27 +6940,47 @@
             </a:pPr>
             <a:r>
               <a:rPr lang="fr-FR" sz="1600" dirty="0"/>
-              <a:t>Ajouter une barre de recherche dans la table des salariés</a:t>
-            </a:r>
-          </a:p>
-          <a:p>
-            <a:pPr>
-              <a:buFontTx/>
-              <a:buChar char="-"/>
-            </a:pPr>
-            <a:r>
-              <a:rPr lang="fr-FR" sz="1600" dirty="0"/>
-              <a:t>Faire fonctionner la barre de recherche principale</a:t>
-            </a:r>
-          </a:p>
-        </p:txBody>
-      </p:sp>
-      <p:sp>
-        <p:nvSpPr>
-          <p:cNvPr id="4" name="Espace réservé du numéro de diapositive 3">
+              <a:t>Problème de sauvegarde des données des tables liés</a:t>
+            </a:r>
+          </a:p>
+        </p:txBody>
+      </p:sp>
+      <p:pic>
+        <p:nvPicPr>
+          <p:cNvPr id="5" name="Image 4">
             <a:extLst>
               <a:ext uri="{FF2B5EF4-FFF2-40B4-BE49-F238E27FC236}">
-                <a16:creationId xmlns:a16="http://schemas.microsoft.com/office/drawing/2014/main" id="{DA5F1A0B-F90A-492B-B857-0C160822A6FD}"/>
+                <a16:creationId xmlns:a16="http://schemas.microsoft.com/office/drawing/2014/main" id="{77D006FA-CD78-4563-BB63-E83130749BE9}"/>
+              </a:ext>
+            </a:extLst>
+          </p:cNvPr>
+          <p:cNvPicPr>
+            <a:picLocks noChangeAspect="1"/>
+          </p:cNvPicPr>
+          <p:nvPr/>
+        </p:nvPicPr>
+        <p:blipFill>
+          <a:blip r:embed="rId2"/>
+          <a:stretch>
+            <a:fillRect/>
+          </a:stretch>
+        </p:blipFill>
+        <p:spPr>
+          <a:xfrm>
+            <a:off x="1740693" y="2180133"/>
+            <a:ext cx="8710613" cy="2158505"/>
+          </a:xfrm>
+          <a:prstGeom prst="rect">
+            <a:avLst/>
+          </a:prstGeom>
+        </p:spPr>
+      </p:pic>
+      <p:sp>
+        <p:nvSpPr>
+          <p:cNvPr id="7" name="Espace réservé du numéro de diapositive 6">
+            <a:extLst>
+              <a:ext uri="{FF2B5EF4-FFF2-40B4-BE49-F238E27FC236}">
+                <a16:creationId xmlns:a16="http://schemas.microsoft.com/office/drawing/2014/main" id="{2BD3B50A-854B-4706-8DCB-4B9666AE936C}"/>
               </a:ext>
             </a:extLst>
           </p:cNvPr>
@@ -6512,10 +7004,38 @@
           </a:p>
         </p:txBody>
       </p:sp>
+      <p:pic>
+        <p:nvPicPr>
+          <p:cNvPr id="8" name="Image 7">
+            <a:extLst>
+              <a:ext uri="{FF2B5EF4-FFF2-40B4-BE49-F238E27FC236}">
+                <a16:creationId xmlns:a16="http://schemas.microsoft.com/office/drawing/2014/main" id="{EFBF4CC3-0CE2-431D-B851-E0786CC01952}"/>
+              </a:ext>
+            </a:extLst>
+          </p:cNvPr>
+          <p:cNvPicPr/>
+          <p:nvPr/>
+        </p:nvPicPr>
+        <p:blipFill>
+          <a:blip r:embed="rId3"/>
+          <a:stretch>
+            <a:fillRect/>
+          </a:stretch>
+        </p:blipFill>
+        <p:spPr>
+          <a:xfrm>
+            <a:off x="4914741" y="4884142"/>
+            <a:ext cx="2362515" cy="1269008"/>
+          </a:xfrm>
+          <a:prstGeom prst="rect">
+            <a:avLst/>
+          </a:prstGeom>
+        </p:spPr>
+      </p:pic>
     </p:spTree>
     <p:extLst>
       <p:ext uri="{BB962C8B-B14F-4D97-AF65-F5344CB8AC3E}">
-        <p14:creationId xmlns:p14="http://schemas.microsoft.com/office/powerpoint/2010/main" val="3574550463"/>
+        <p14:creationId xmlns:p14="http://schemas.microsoft.com/office/powerpoint/2010/main" val="3574612400"/>
       </p:ext>
     </p:extLst>
   </p:cSld>
@@ -6570,7 +7090,215 @@
           <a:p>
             <a:r>
               <a:rPr lang="fr-FR" dirty="0"/>
-              <a:t>VI\ Conclusion </a:t>
+              <a:t>VI\ Amélioration </a:t>
+            </a:r>
+          </a:p>
+        </p:txBody>
+      </p:sp>
+      <p:sp>
+        <p:nvSpPr>
+          <p:cNvPr id="3" name="Espace réservé du contenu 2">
+            <a:extLst>
+              <a:ext uri="{FF2B5EF4-FFF2-40B4-BE49-F238E27FC236}">
+                <a16:creationId xmlns:a16="http://schemas.microsoft.com/office/drawing/2014/main" id="{75FD2F54-0682-466C-B358-8FDF4F36CD66}"/>
+              </a:ext>
+            </a:extLst>
+          </p:cNvPr>
+          <p:cNvSpPr>
+            <a:spLocks noGrp="1"/>
+          </p:cNvSpPr>
+          <p:nvPr>
+            <p:ph idx="1"/>
+          </p:nvPr>
+        </p:nvSpPr>
+        <p:spPr>
+          <a:xfrm>
+            <a:off x="876649" y="1203821"/>
+            <a:ext cx="10438702" cy="3581400"/>
+          </a:xfrm>
+        </p:spPr>
+        <p:txBody>
+          <a:bodyPr>
+            <a:normAutofit/>
+          </a:bodyPr>
+          <a:lstStyle/>
+          <a:p>
+            <a:pPr>
+              <a:buFontTx/>
+              <a:buChar char="-"/>
+            </a:pPr>
+            <a:r>
+              <a:rPr lang="fr-FR" sz="1600" dirty="0"/>
+              <a:t>Gérer la suppression des tables liés des utilisateurs</a:t>
+            </a:r>
+          </a:p>
+          <a:p>
+            <a:pPr>
+              <a:buFontTx/>
+              <a:buChar char="-"/>
+            </a:pPr>
+            <a:r>
+              <a:rPr lang="fr-FR" sz="1600" dirty="0"/>
+              <a:t>Ajouter une barre de recherche dans la table des salariés</a:t>
+            </a:r>
+          </a:p>
+          <a:p>
+            <a:pPr>
+              <a:buFontTx/>
+              <a:buChar char="-"/>
+            </a:pPr>
+            <a:r>
+              <a:rPr lang="fr-FR" sz="1600" dirty="0"/>
+              <a:t>Faire fonctionner la barre de recherche principale</a:t>
+            </a:r>
+          </a:p>
+          <a:p>
+            <a:pPr>
+              <a:buFontTx/>
+              <a:buChar char="-"/>
+            </a:pPr>
+            <a:r>
+              <a:rPr lang="fr-FR" sz="1600" dirty="0"/>
+              <a:t>Améliorer le visuel général du site en ajoutant des logos des couleurs, du texte…</a:t>
+            </a:r>
+          </a:p>
+        </p:txBody>
+      </p:sp>
+      <p:sp>
+        <p:nvSpPr>
+          <p:cNvPr id="4" name="Espace réservé du numéro de diapositive 3">
+            <a:extLst>
+              <a:ext uri="{FF2B5EF4-FFF2-40B4-BE49-F238E27FC236}">
+                <a16:creationId xmlns:a16="http://schemas.microsoft.com/office/drawing/2014/main" id="{DA5F1A0B-F90A-492B-B857-0C160822A6FD}"/>
+              </a:ext>
+            </a:extLst>
+          </p:cNvPr>
+          <p:cNvSpPr>
+            <a:spLocks noGrp="1"/>
+          </p:cNvSpPr>
+          <p:nvPr>
+            <p:ph type="sldNum" sz="quarter" idx="12"/>
+          </p:nvPr>
+        </p:nvSpPr>
+        <p:spPr/>
+        <p:txBody>
+          <a:bodyPr/>
+          <a:lstStyle/>
+          <a:p>
+            <a:fld id="{064621D8-3403-462A-90B6-EC5605D6708B}" type="slidenum">
+              <a:rPr lang="fr-FR" smtClean="0"/>
+              <a:t>18</a:t>
+            </a:fld>
+            <a:endParaRPr lang="fr-FR"/>
+          </a:p>
+        </p:txBody>
+      </p:sp>
+      <p:pic>
+        <p:nvPicPr>
+          <p:cNvPr id="5122" name="Picture 2" descr="Marteau, silhouette - Icônes outils et ustensiles gratuites">
+            <a:extLst>
+              <a:ext uri="{FF2B5EF4-FFF2-40B4-BE49-F238E27FC236}">
+                <a16:creationId xmlns:a16="http://schemas.microsoft.com/office/drawing/2014/main" id="{4B742284-0FB7-4F12-B343-BD44CE1B16E6}"/>
+              </a:ext>
+            </a:extLst>
+          </p:cNvPr>
+          <p:cNvPicPr>
+            <a:picLocks noChangeAspect="1" noChangeArrowheads="1"/>
+          </p:cNvPicPr>
+          <p:nvPr/>
+        </p:nvPicPr>
+        <p:blipFill>
+          <a:blip r:embed="rId2">
+            <a:extLst>
+              <a:ext uri="{28A0092B-C50C-407E-A947-70E740481C1C}">
+                <a14:useLocalDpi xmlns:a14="http://schemas.microsoft.com/office/drawing/2010/main" val="0"/>
+              </a:ext>
+            </a:extLst>
+          </a:blip>
+          <a:srcRect/>
+          <a:stretch>
+            <a:fillRect/>
+          </a:stretch>
+        </p:blipFill>
+        <p:spPr bwMode="auto">
+          <a:xfrm>
+            <a:off x="5334000" y="3632696"/>
+            <a:ext cx="2305050" cy="2305050"/>
+          </a:xfrm>
+          <a:prstGeom prst="rect">
+            <a:avLst/>
+          </a:prstGeom>
+          <a:noFill/>
+          <a:extLst>
+            <a:ext uri="{909E8E84-426E-40DD-AFC4-6F175D3DCCD1}">
+              <a14:hiddenFill xmlns:a14="http://schemas.microsoft.com/office/drawing/2010/main">
+                <a:solidFill>
+                  <a:srgbClr val="FFFFFF"/>
+                </a:solidFill>
+              </a14:hiddenFill>
+            </a:ext>
+          </a:extLst>
+        </p:spPr>
+      </p:pic>
+    </p:spTree>
+    <p:extLst>
+      <p:ext uri="{BB962C8B-B14F-4D97-AF65-F5344CB8AC3E}">
+        <p14:creationId xmlns:p14="http://schemas.microsoft.com/office/powerpoint/2010/main" val="3574550463"/>
+      </p:ext>
+    </p:extLst>
+  </p:cSld>
+  <p:clrMapOvr>
+    <a:masterClrMapping/>
+  </p:clrMapOvr>
+</p:sld>
+</file>
+
+<file path=ppt/slides/slide19.xml><?xml version="1.0" encoding="utf-8"?>
+<p:sld xmlns:a="http://schemas.openxmlformats.org/drawingml/2006/main" xmlns:r="http://schemas.openxmlformats.org/officeDocument/2006/relationships" xmlns:p="http://schemas.openxmlformats.org/presentationml/2006/main">
+  <p:cSld>
+    <p:spTree>
+      <p:nvGrpSpPr>
+        <p:cNvPr id="1" name=""/>
+        <p:cNvGrpSpPr/>
+        <p:nvPr/>
+      </p:nvGrpSpPr>
+      <p:grpSpPr>
+        <a:xfrm>
+          <a:off x="0" y="0"/>
+          <a:ext cx="0" cy="0"/>
+          <a:chOff x="0" y="0"/>
+          <a:chExt cx="0" cy="0"/>
+        </a:xfrm>
+      </p:grpSpPr>
+      <p:sp>
+        <p:nvSpPr>
+          <p:cNvPr id="2" name="Titre 1">
+            <a:extLst>
+              <a:ext uri="{FF2B5EF4-FFF2-40B4-BE49-F238E27FC236}">
+                <a16:creationId xmlns:a16="http://schemas.microsoft.com/office/drawing/2014/main" id="{E35F42B4-18B3-414B-A2EF-D8A4EA398E7B}"/>
+              </a:ext>
+            </a:extLst>
+          </p:cNvPr>
+          <p:cNvSpPr>
+            <a:spLocks noGrp="1"/>
+          </p:cNvSpPr>
+          <p:nvPr>
+            <p:ph type="title"/>
+          </p:nvPr>
+        </p:nvSpPr>
+        <p:spPr>
+          <a:xfrm>
+            <a:off x="876649" y="247650"/>
+            <a:ext cx="9601200" cy="1485900"/>
+          </a:xfrm>
+        </p:spPr>
+        <p:txBody>
+          <a:bodyPr/>
+          <a:lstStyle/>
+          <a:p>
+            <a:r>
+              <a:rPr lang="fr-FR" dirty="0"/>
+              <a:t>VII\ Conclusion </a:t>
             </a:r>
           </a:p>
         </p:txBody>
@@ -6605,7 +7333,7 @@
           <a:p>
             <a:r>
               <a:rPr lang="fr-FR" dirty="0"/>
-              <a:t>Même si j’ai rencontrés différentes difficultés dans ce projet ainsi que des soucis de timing.</a:t>
+              <a:t>Même si j’ai rencontré différentes difficultés dans ce projet ainsi que des soucis de timing.</a:t>
             </a:r>
           </a:p>
           <a:p>
@@ -6614,7 +7342,7 @@
           <a:p>
             <a:r>
               <a:rPr lang="fr-FR" dirty="0"/>
-              <a:t>J’ai réussit à réaliser les différents points demandés dans le cahier des charges. </a:t>
+              <a:t>J’ai réussi à réaliser les différents points demandés dans le cahier des charges. </a:t>
             </a:r>
           </a:p>
           <a:p>
@@ -6629,7 +7357,7 @@
           <a:p>
             <a:r>
               <a:rPr lang="fr-FR" dirty="0"/>
-              <a:t>M’ouvrir a de nouvelles chose a été aussi instructif que dangereux car cela m’a permis d’évoluer mais en contrepartie cela demandait une charge de travail décuplé car beaucoup de choses étaient à apprendre.</a:t>
+              <a:t>M’ouvrir à de nouvelles choses a été aussi instructif que dangereux car cela m’a permis d’évoluer mais en contrepartie cela demandait une charge de travail décuplé car beaucoup de choses étaient à apprendre.</a:t>
             </a:r>
           </a:p>
           <a:p>
@@ -6638,7 +7366,7 @@
           <a:p>
             <a:r>
               <a:rPr lang="fr-FR" dirty="0"/>
-              <a:t>Dans le futur je serais heureux de réaliser un projet dans le même thème afin d’améliorer les points que je n’ai pas pu traiter.</a:t>
+              <a:t>Dans le futur je serais heureux de réaliser un projet dans le même thème afin d’améliorer ou réaliser les points que j’aurais voulu traiter.</a:t>
             </a:r>
           </a:p>
         </p:txBody>
@@ -6666,7 +7394,7 @@
           <a:p>
             <a:fld id="{064621D8-3403-462A-90B6-EC5605D6708B}" type="slidenum">
               <a:rPr lang="fr-FR" smtClean="0"/>
-              <a:t>18</a:t>
+              <a:t>19</a:t>
             </a:fld>
             <a:endParaRPr lang="fr-FR"/>
           </a:p>
@@ -6750,7 +7478,7 @@
         <p:spPr>
           <a:xfrm>
             <a:off x="1386980" y="1026079"/>
-            <a:ext cx="10805020" cy="5125506"/>
+            <a:ext cx="10805020" cy="5617948"/>
           </a:xfrm>
           <a:prstGeom prst="rect">
             <a:avLst/>
@@ -6864,6 +7592,19 @@
             <a:r>
               <a:rPr lang="fr-FR" sz="1400" dirty="0"/>
               <a:t>Entity Framework et SQL Server</a:t>
+            </a:r>
+          </a:p>
+          <a:p>
+            <a:pPr marL="400050" indent="-400050">
+              <a:lnSpc>
+                <a:spcPct val="200000"/>
+              </a:lnSpc>
+              <a:buFont typeface="+mj-lt"/>
+              <a:buAutoNum type="romanUcPeriod"/>
+            </a:pPr>
+            <a:r>
+              <a:rPr lang="fr-FR" sz="1600" dirty="0"/>
+              <a:t>Démonstration du projet</a:t>
             </a:r>
           </a:p>
           <a:p>
